--- a/Code/ChemistryApp/ChemistryApp/bin/Debug/ResourcesFolder/MyTeaching/asdasdsa.pptx
+++ b/Code/ChemistryApp/ChemistryApp/bin/Debug/ResourcesFolder/MyTeaching/asdasdsa.pptx
@@ -4,6 +4,10 @@
   <p:sldMasterIdLst>
     <p:sldMasterId id="2147483648" r:id="rId1"/>
   </p:sldMasterIdLst>
+  <p:sldIdLst>
+    <p:sldId id="256" r:id="rId2"/>
+    <p:sldId id="257" r:id="rId3"/>
+  </p:sldIdLst>
   <p:sldSz cx="9144000" cy="6858000" type="screen4x3"/>
   <p:notesSz cx="6858000" cy="9144000"/>
   <p:defaultTextStyle>
@@ -285,7 +289,8 @@
           <a:p>
             <a:fld id="{530820CF-B880-4189-942D-D702A7CBA730}" type="datetimeFigureOut">
               <a:rPr lang="zh-CN" altLang="en-US" smtClean="0"/>
-              <a:t>2006-9-7</a:t>
+              <a:pPr/>
+              <a:t>2016/11/11</a:t>
             </a:fld>
             <a:endParaRPr lang="zh-CN" altLang="en-US"/>
           </a:p>
@@ -327,6 +332,7 @@
           <a:p>
             <a:fld id="{0C913308-F349-4B6D-A68A-DD1791B4A57B}" type="slidenum">
               <a:rPr lang="zh-CN" altLang="en-US" smtClean="0"/>
+              <a:pPr/>
               <a:t>‹#›</a:t>
             </a:fld>
             <a:endParaRPr lang="zh-CN" altLang="en-US"/>
@@ -450,7 +456,8 @@
           <a:p>
             <a:fld id="{530820CF-B880-4189-942D-D702A7CBA730}" type="datetimeFigureOut">
               <a:rPr lang="zh-CN" altLang="en-US" smtClean="0"/>
-              <a:t>2006-9-7</a:t>
+              <a:pPr/>
+              <a:t>2016/11/11</a:t>
             </a:fld>
             <a:endParaRPr lang="zh-CN" altLang="en-US"/>
           </a:p>
@@ -492,6 +499,7 @@
           <a:p>
             <a:fld id="{0C913308-F349-4B6D-A68A-DD1791B4A57B}" type="slidenum">
               <a:rPr lang="zh-CN" altLang="en-US" smtClean="0"/>
+              <a:pPr/>
               <a:t>‹#›</a:t>
             </a:fld>
             <a:endParaRPr lang="zh-CN" altLang="en-US"/>
@@ -625,7 +633,8 @@
           <a:p>
             <a:fld id="{530820CF-B880-4189-942D-D702A7CBA730}" type="datetimeFigureOut">
               <a:rPr lang="zh-CN" altLang="en-US" smtClean="0"/>
-              <a:t>2006-9-7</a:t>
+              <a:pPr/>
+              <a:t>2016/11/11</a:t>
             </a:fld>
             <a:endParaRPr lang="zh-CN" altLang="en-US"/>
           </a:p>
@@ -667,6 +676,7 @@
           <a:p>
             <a:fld id="{0C913308-F349-4B6D-A68A-DD1791B4A57B}" type="slidenum">
               <a:rPr lang="zh-CN" altLang="en-US" smtClean="0"/>
+              <a:pPr/>
               <a:t>‹#›</a:t>
             </a:fld>
             <a:endParaRPr lang="zh-CN" altLang="en-US"/>
@@ -790,7 +800,8 @@
           <a:p>
             <a:fld id="{530820CF-B880-4189-942D-D702A7CBA730}" type="datetimeFigureOut">
               <a:rPr lang="zh-CN" altLang="en-US" smtClean="0"/>
-              <a:t>2006-9-7</a:t>
+              <a:pPr/>
+              <a:t>2016/11/11</a:t>
             </a:fld>
             <a:endParaRPr lang="zh-CN" altLang="en-US"/>
           </a:p>
@@ -832,6 +843,7 @@
           <a:p>
             <a:fld id="{0C913308-F349-4B6D-A68A-DD1791B4A57B}" type="slidenum">
               <a:rPr lang="zh-CN" altLang="en-US" smtClean="0"/>
+              <a:pPr/>
               <a:t>‹#›</a:t>
             </a:fld>
             <a:endParaRPr lang="zh-CN" altLang="en-US"/>
@@ -1031,7 +1043,8 @@
           <a:p>
             <a:fld id="{530820CF-B880-4189-942D-D702A7CBA730}" type="datetimeFigureOut">
               <a:rPr lang="zh-CN" altLang="en-US" smtClean="0"/>
-              <a:t>2006-9-7</a:t>
+              <a:pPr/>
+              <a:t>2016/11/11</a:t>
             </a:fld>
             <a:endParaRPr lang="zh-CN" altLang="en-US"/>
           </a:p>
@@ -1073,6 +1086,7 @@
           <a:p>
             <a:fld id="{0C913308-F349-4B6D-A68A-DD1791B4A57B}" type="slidenum">
               <a:rPr lang="zh-CN" altLang="en-US" smtClean="0"/>
+              <a:pPr/>
               <a:t>‹#›</a:t>
             </a:fld>
             <a:endParaRPr lang="zh-CN" altLang="en-US"/>
@@ -1314,7 +1328,8 @@
           <a:p>
             <a:fld id="{530820CF-B880-4189-942D-D702A7CBA730}" type="datetimeFigureOut">
               <a:rPr lang="zh-CN" altLang="en-US" smtClean="0"/>
-              <a:t>2006-9-7</a:t>
+              <a:pPr/>
+              <a:t>2016/11/11</a:t>
             </a:fld>
             <a:endParaRPr lang="zh-CN" altLang="en-US"/>
           </a:p>
@@ -1356,6 +1371,7 @@
           <a:p>
             <a:fld id="{0C913308-F349-4B6D-A68A-DD1791B4A57B}" type="slidenum">
               <a:rPr lang="zh-CN" altLang="en-US" smtClean="0"/>
+              <a:pPr/>
               <a:t>‹#›</a:t>
             </a:fld>
             <a:endParaRPr lang="zh-CN" altLang="en-US"/>
@@ -1731,7 +1747,8 @@
           <a:p>
             <a:fld id="{530820CF-B880-4189-942D-D702A7CBA730}" type="datetimeFigureOut">
               <a:rPr lang="zh-CN" altLang="en-US" smtClean="0"/>
-              <a:t>2006-9-7</a:t>
+              <a:pPr/>
+              <a:t>2016/11/11</a:t>
             </a:fld>
             <a:endParaRPr lang="zh-CN" altLang="en-US"/>
           </a:p>
@@ -1773,6 +1790,7 @@
           <a:p>
             <a:fld id="{0C913308-F349-4B6D-A68A-DD1791B4A57B}" type="slidenum">
               <a:rPr lang="zh-CN" altLang="en-US" smtClean="0"/>
+              <a:pPr/>
               <a:t>‹#›</a:t>
             </a:fld>
             <a:endParaRPr lang="zh-CN" altLang="en-US"/>
@@ -1844,7 +1862,8 @@
           <a:p>
             <a:fld id="{530820CF-B880-4189-942D-D702A7CBA730}" type="datetimeFigureOut">
               <a:rPr lang="zh-CN" altLang="en-US" smtClean="0"/>
-              <a:t>2006-9-7</a:t>
+              <a:pPr/>
+              <a:t>2016/11/11</a:t>
             </a:fld>
             <a:endParaRPr lang="zh-CN" altLang="en-US"/>
           </a:p>
@@ -1886,6 +1905,7 @@
           <a:p>
             <a:fld id="{0C913308-F349-4B6D-A68A-DD1791B4A57B}" type="slidenum">
               <a:rPr lang="zh-CN" altLang="en-US" smtClean="0"/>
+              <a:pPr/>
               <a:t>‹#›</a:t>
             </a:fld>
             <a:endParaRPr lang="zh-CN" altLang="en-US"/>
@@ -1934,7 +1954,8 @@
           <a:p>
             <a:fld id="{530820CF-B880-4189-942D-D702A7CBA730}" type="datetimeFigureOut">
               <a:rPr lang="zh-CN" altLang="en-US" smtClean="0"/>
-              <a:t>2006-9-7</a:t>
+              <a:pPr/>
+              <a:t>2016/11/11</a:t>
             </a:fld>
             <a:endParaRPr lang="zh-CN" altLang="en-US"/>
           </a:p>
@@ -1976,6 +1997,7 @@
           <a:p>
             <a:fld id="{0C913308-F349-4B6D-A68A-DD1791B4A57B}" type="slidenum">
               <a:rPr lang="zh-CN" altLang="en-US" smtClean="0"/>
+              <a:pPr/>
               <a:t>‹#›</a:t>
             </a:fld>
             <a:endParaRPr lang="zh-CN" altLang="en-US"/>
@@ -2206,7 +2228,8 @@
           <a:p>
             <a:fld id="{530820CF-B880-4189-942D-D702A7CBA730}" type="datetimeFigureOut">
               <a:rPr lang="zh-CN" altLang="en-US" smtClean="0"/>
-              <a:t>2006-9-7</a:t>
+              <a:pPr/>
+              <a:t>2016/11/11</a:t>
             </a:fld>
             <a:endParaRPr lang="zh-CN" altLang="en-US"/>
           </a:p>
@@ -2248,6 +2271,7 @@
           <a:p>
             <a:fld id="{0C913308-F349-4B6D-A68A-DD1791B4A57B}" type="slidenum">
               <a:rPr lang="zh-CN" altLang="en-US" smtClean="0"/>
+              <a:pPr/>
               <a:t>‹#›</a:t>
             </a:fld>
             <a:endParaRPr lang="zh-CN" altLang="en-US"/>
@@ -2454,7 +2478,8 @@
           <a:p>
             <a:fld id="{530820CF-B880-4189-942D-D702A7CBA730}" type="datetimeFigureOut">
               <a:rPr lang="zh-CN" altLang="en-US" smtClean="0"/>
-              <a:t>2006-9-7</a:t>
+              <a:pPr/>
+              <a:t>2016/11/11</a:t>
             </a:fld>
             <a:endParaRPr lang="zh-CN" altLang="en-US"/>
           </a:p>
@@ -2496,6 +2521,7 @@
           <a:p>
             <a:fld id="{0C913308-F349-4B6D-A68A-DD1791B4A57B}" type="slidenum">
               <a:rPr lang="zh-CN" altLang="en-US" smtClean="0"/>
+              <a:pPr/>
               <a:t>‹#›</a:t>
             </a:fld>
             <a:endParaRPr lang="zh-CN" altLang="en-US"/>
@@ -2662,7 +2688,8 @@
           <a:p>
             <a:fld id="{530820CF-B880-4189-942D-D702A7CBA730}" type="datetimeFigureOut">
               <a:rPr lang="zh-CN" altLang="en-US" smtClean="0"/>
-              <a:t>2006-9-7</a:t>
+              <a:pPr/>
+              <a:t>2016/11/11</a:t>
             </a:fld>
             <a:endParaRPr lang="zh-CN" altLang="en-US"/>
           </a:p>
@@ -2740,6 +2767,7 @@
           <a:p>
             <a:fld id="{0C913308-F349-4B6D-A68A-DD1791B4A57B}" type="slidenum">
               <a:rPr lang="zh-CN" altLang="en-US" smtClean="0"/>
+              <a:pPr/>
               <a:t>‹#›</a:t>
             </a:fld>
             <a:endParaRPr lang="zh-CN" altLang="en-US"/>
@@ -3013,6 +3041,148 @@
     </p:otherStyle>
   </p:txStyles>
 </p:sldMaster>
+</file>
+
+<file path=ppt/slides/slide1.xml><?xml version="1.0" encoding="utf-8"?>
+<p:sld xmlns:a="http://schemas.openxmlformats.org/drawingml/2006/main" xmlns:r="http://schemas.openxmlformats.org/officeDocument/2006/relationships" xmlns:p="http://schemas.openxmlformats.org/presentationml/2006/main">
+  <p:cSld>
+    <p:spTree>
+      <p:nvGrpSpPr>
+        <p:cNvPr id="1" name=""/>
+        <p:cNvGrpSpPr/>
+        <p:nvPr/>
+      </p:nvGrpSpPr>
+      <p:grpSpPr>
+        <a:xfrm>
+          <a:off x="0" y="0"/>
+          <a:ext cx="0" cy="0"/>
+          <a:chOff x="0" y="0"/>
+          <a:chExt cx="0" cy="0"/>
+        </a:xfrm>
+      </p:grpSpPr>
+      <p:sp>
+        <p:nvSpPr>
+          <p:cNvPr id="2" name="标题 1"/>
+          <p:cNvSpPr>
+            <a:spLocks noGrp="1"/>
+          </p:cNvSpPr>
+          <p:nvPr>
+            <p:ph type="ctrTitle"/>
+          </p:nvPr>
+        </p:nvSpPr>
+        <p:spPr/>
+        <p:txBody>
+          <a:bodyPr/>
+          <a:lstStyle/>
+          <a:p>
+            <a:r>
+              <a:rPr lang="en-US" altLang="zh-CN" dirty="0" err="1" smtClean="0"/>
+              <a:t>dasdasd</a:t>
+            </a:r>
+            <a:endParaRPr lang="zh-CN" altLang="en-US" dirty="0"/>
+          </a:p>
+        </p:txBody>
+      </p:sp>
+      <p:sp>
+        <p:nvSpPr>
+          <p:cNvPr id="3" name="副标题 2"/>
+          <p:cNvSpPr>
+            <a:spLocks noGrp="1"/>
+          </p:cNvSpPr>
+          <p:nvPr>
+            <p:ph type="subTitle" idx="1"/>
+          </p:nvPr>
+        </p:nvSpPr>
+        <p:spPr/>
+        <p:txBody>
+          <a:bodyPr/>
+          <a:lstStyle/>
+          <a:p>
+            <a:r>
+              <a:rPr lang="en-US" altLang="zh-CN" dirty="0" err="1" smtClean="0"/>
+              <a:t>dasdasdas</a:t>
+            </a:r>
+            <a:endParaRPr lang="zh-CN" altLang="en-US" dirty="0"/>
+          </a:p>
+        </p:txBody>
+      </p:sp>
+    </p:spTree>
+  </p:cSld>
+  <p:clrMapOvr>
+    <a:masterClrMapping/>
+  </p:clrMapOvr>
+</p:sld>
+</file>
+
+<file path=ppt/slides/slide2.xml><?xml version="1.0" encoding="utf-8"?>
+<p:sld xmlns:a="http://schemas.openxmlformats.org/drawingml/2006/main" xmlns:r="http://schemas.openxmlformats.org/officeDocument/2006/relationships" xmlns:p="http://schemas.openxmlformats.org/presentationml/2006/main">
+  <p:cSld>
+    <p:spTree>
+      <p:nvGrpSpPr>
+        <p:cNvPr id="1" name=""/>
+        <p:cNvGrpSpPr/>
+        <p:nvPr/>
+      </p:nvGrpSpPr>
+      <p:grpSpPr>
+        <a:xfrm>
+          <a:off x="0" y="0"/>
+          <a:ext cx="0" cy="0"/>
+          <a:chOff x="0" y="0"/>
+          <a:chExt cx="0" cy="0"/>
+        </a:xfrm>
+      </p:grpSpPr>
+      <p:sp>
+        <p:nvSpPr>
+          <p:cNvPr id="2" name="标题 1"/>
+          <p:cNvSpPr>
+            <a:spLocks noGrp="1"/>
+          </p:cNvSpPr>
+          <p:nvPr>
+            <p:ph type="title"/>
+          </p:nvPr>
+        </p:nvSpPr>
+        <p:spPr/>
+        <p:txBody>
+          <a:bodyPr/>
+          <a:lstStyle/>
+          <a:p>
+            <a:r>
+              <a:rPr lang="en-US" altLang="zh-CN" dirty="0" err="1" smtClean="0"/>
+              <a:t>sdasdasdas</a:t>
+            </a:r>
+            <a:endParaRPr lang="zh-CN" altLang="en-US" dirty="0"/>
+          </a:p>
+        </p:txBody>
+      </p:sp>
+      <p:sp>
+        <p:nvSpPr>
+          <p:cNvPr id="3" name="内容占位符 2"/>
+          <p:cNvSpPr>
+            <a:spLocks noGrp="1"/>
+          </p:cNvSpPr>
+          <p:nvPr>
+            <p:ph idx="1"/>
+          </p:nvPr>
+        </p:nvSpPr>
+        <p:spPr/>
+        <p:txBody>
+          <a:bodyPr/>
+          <a:lstStyle/>
+          <a:p>
+            <a:r>
+              <a:rPr lang="en-US" altLang="zh-CN" dirty="0" err="1" smtClean="0"/>
+              <a:t>dasdasd</a:t>
+            </a:r>
+            <a:endParaRPr lang="zh-CN" altLang="en-US" dirty="0"/>
+          </a:p>
+        </p:txBody>
+      </p:sp>
+    </p:spTree>
+  </p:cSld>
+  <p:clrMapOvr>
+    <a:masterClrMapping/>
+  </p:clrMapOvr>
+</p:sld>
 </file>
 
 <file path=ppt/theme/theme1.xml><?xml version="1.0" encoding="utf-8"?>

--- a/Code/ChemistryApp/ChemistryApp/bin/Debug/ResourcesFolder/MyTeaching/asdasdsa.pptx
+++ b/Code/ChemistryApp/ChemistryApp/bin/Debug/ResourcesFolder/MyTeaching/asdasdsa.pptx
@@ -7,6 +7,8 @@
   <p:sldIdLst>
     <p:sldId id="256" r:id="rId2"/>
     <p:sldId id="257" r:id="rId3"/>
+    <p:sldId id="258" r:id="rId4"/>
+    <p:sldId id="259" r:id="rId5"/>
   </p:sldIdLst>
   <p:sldSz cx="9144000" cy="6858000" type="screen4x3"/>
   <p:notesSz cx="6858000" cy="9144000"/>
@@ -290,7 +292,7 @@
             <a:fld id="{530820CF-B880-4189-942D-D702A7CBA730}" type="datetimeFigureOut">
               <a:rPr lang="zh-CN" altLang="en-US" smtClean="0"/>
               <a:pPr/>
-              <a:t>2016/11/11</a:t>
+              <a:t>2016/11/14</a:t>
             </a:fld>
             <a:endParaRPr lang="zh-CN" altLang="en-US"/>
           </a:p>
@@ -457,7 +459,7 @@
             <a:fld id="{530820CF-B880-4189-942D-D702A7CBA730}" type="datetimeFigureOut">
               <a:rPr lang="zh-CN" altLang="en-US" smtClean="0"/>
               <a:pPr/>
-              <a:t>2016/11/11</a:t>
+              <a:t>2016/11/14</a:t>
             </a:fld>
             <a:endParaRPr lang="zh-CN" altLang="en-US"/>
           </a:p>
@@ -634,7 +636,7 @@
             <a:fld id="{530820CF-B880-4189-942D-D702A7CBA730}" type="datetimeFigureOut">
               <a:rPr lang="zh-CN" altLang="en-US" smtClean="0"/>
               <a:pPr/>
-              <a:t>2016/11/11</a:t>
+              <a:t>2016/11/14</a:t>
             </a:fld>
             <a:endParaRPr lang="zh-CN" altLang="en-US"/>
           </a:p>
@@ -801,7 +803,7 @@
             <a:fld id="{530820CF-B880-4189-942D-D702A7CBA730}" type="datetimeFigureOut">
               <a:rPr lang="zh-CN" altLang="en-US" smtClean="0"/>
               <a:pPr/>
-              <a:t>2016/11/11</a:t>
+              <a:t>2016/11/14</a:t>
             </a:fld>
             <a:endParaRPr lang="zh-CN" altLang="en-US"/>
           </a:p>
@@ -1044,7 +1046,7 @@
             <a:fld id="{530820CF-B880-4189-942D-D702A7CBA730}" type="datetimeFigureOut">
               <a:rPr lang="zh-CN" altLang="en-US" smtClean="0"/>
               <a:pPr/>
-              <a:t>2016/11/11</a:t>
+              <a:t>2016/11/14</a:t>
             </a:fld>
             <a:endParaRPr lang="zh-CN" altLang="en-US"/>
           </a:p>
@@ -1329,7 +1331,7 @@
             <a:fld id="{530820CF-B880-4189-942D-D702A7CBA730}" type="datetimeFigureOut">
               <a:rPr lang="zh-CN" altLang="en-US" smtClean="0"/>
               <a:pPr/>
-              <a:t>2016/11/11</a:t>
+              <a:t>2016/11/14</a:t>
             </a:fld>
             <a:endParaRPr lang="zh-CN" altLang="en-US"/>
           </a:p>
@@ -1748,7 +1750,7 @@
             <a:fld id="{530820CF-B880-4189-942D-D702A7CBA730}" type="datetimeFigureOut">
               <a:rPr lang="zh-CN" altLang="en-US" smtClean="0"/>
               <a:pPr/>
-              <a:t>2016/11/11</a:t>
+              <a:t>2016/11/14</a:t>
             </a:fld>
             <a:endParaRPr lang="zh-CN" altLang="en-US"/>
           </a:p>
@@ -1863,7 +1865,7 @@
             <a:fld id="{530820CF-B880-4189-942D-D702A7CBA730}" type="datetimeFigureOut">
               <a:rPr lang="zh-CN" altLang="en-US" smtClean="0"/>
               <a:pPr/>
-              <a:t>2016/11/11</a:t>
+              <a:t>2016/11/14</a:t>
             </a:fld>
             <a:endParaRPr lang="zh-CN" altLang="en-US"/>
           </a:p>
@@ -1955,7 +1957,7 @@
             <a:fld id="{530820CF-B880-4189-942D-D702A7CBA730}" type="datetimeFigureOut">
               <a:rPr lang="zh-CN" altLang="en-US" smtClean="0"/>
               <a:pPr/>
-              <a:t>2016/11/11</a:t>
+              <a:t>2016/11/14</a:t>
             </a:fld>
             <a:endParaRPr lang="zh-CN" altLang="en-US"/>
           </a:p>
@@ -2229,7 +2231,7 @@
             <a:fld id="{530820CF-B880-4189-942D-D702A7CBA730}" type="datetimeFigureOut">
               <a:rPr lang="zh-CN" altLang="en-US" smtClean="0"/>
               <a:pPr/>
-              <a:t>2016/11/11</a:t>
+              <a:t>2016/11/14</a:t>
             </a:fld>
             <a:endParaRPr lang="zh-CN" altLang="en-US"/>
           </a:p>
@@ -2479,7 +2481,7 @@
             <a:fld id="{530820CF-B880-4189-942D-D702A7CBA730}" type="datetimeFigureOut">
               <a:rPr lang="zh-CN" altLang="en-US" smtClean="0"/>
               <a:pPr/>
-              <a:t>2016/11/11</a:t>
+              <a:t>2016/11/14</a:t>
             </a:fld>
             <a:endParaRPr lang="zh-CN" altLang="en-US"/>
           </a:p>
@@ -2689,7 +2691,7 @@
             <a:fld id="{530820CF-B880-4189-942D-D702A7CBA730}" type="datetimeFigureOut">
               <a:rPr lang="zh-CN" altLang="en-US" smtClean="0"/>
               <a:pPr/>
-              <a:t>2016/11/11</a:t>
+              <a:t>2016/11/14</a:t>
             </a:fld>
             <a:endParaRPr lang="zh-CN" altLang="en-US"/>
           </a:p>
@@ -3172,6 +3174,148 @@
             <a:r>
               <a:rPr lang="en-US" altLang="zh-CN" dirty="0" err="1" smtClean="0"/>
               <a:t>dasdasd</a:t>
+            </a:r>
+            <a:endParaRPr lang="zh-CN" altLang="en-US" dirty="0"/>
+          </a:p>
+        </p:txBody>
+      </p:sp>
+    </p:spTree>
+  </p:cSld>
+  <p:clrMapOvr>
+    <a:masterClrMapping/>
+  </p:clrMapOvr>
+</p:sld>
+</file>
+
+<file path=ppt/slides/slide3.xml><?xml version="1.0" encoding="utf-8"?>
+<p:sld xmlns:a="http://schemas.openxmlformats.org/drawingml/2006/main" xmlns:r="http://schemas.openxmlformats.org/officeDocument/2006/relationships" xmlns:p="http://schemas.openxmlformats.org/presentationml/2006/main">
+  <p:cSld>
+    <p:spTree>
+      <p:nvGrpSpPr>
+        <p:cNvPr id="1" name=""/>
+        <p:cNvGrpSpPr/>
+        <p:nvPr/>
+      </p:nvGrpSpPr>
+      <p:grpSpPr>
+        <a:xfrm>
+          <a:off x="0" y="0"/>
+          <a:ext cx="0" cy="0"/>
+          <a:chOff x="0" y="0"/>
+          <a:chExt cx="0" cy="0"/>
+        </a:xfrm>
+      </p:grpSpPr>
+      <p:sp>
+        <p:nvSpPr>
+          <p:cNvPr id="2" name="标题 1"/>
+          <p:cNvSpPr>
+            <a:spLocks noGrp="1"/>
+          </p:cNvSpPr>
+          <p:nvPr>
+            <p:ph type="title"/>
+          </p:nvPr>
+        </p:nvSpPr>
+        <p:spPr/>
+        <p:txBody>
+          <a:bodyPr/>
+          <a:lstStyle/>
+          <a:p>
+            <a:r>
+              <a:rPr lang="en-US" altLang="zh-CN" dirty="0" err="1" smtClean="0"/>
+              <a:t>dsadsad</a:t>
+            </a:r>
+            <a:endParaRPr lang="zh-CN" altLang="en-US" dirty="0"/>
+          </a:p>
+        </p:txBody>
+      </p:sp>
+      <p:sp>
+        <p:nvSpPr>
+          <p:cNvPr id="3" name="内容占位符 2"/>
+          <p:cNvSpPr>
+            <a:spLocks noGrp="1"/>
+          </p:cNvSpPr>
+          <p:nvPr>
+            <p:ph idx="1"/>
+          </p:nvPr>
+        </p:nvSpPr>
+        <p:spPr/>
+        <p:txBody>
+          <a:bodyPr/>
+          <a:lstStyle/>
+          <a:p>
+            <a:r>
+              <a:rPr lang="en-US" altLang="zh-CN" dirty="0" err="1" smtClean="0"/>
+              <a:t>dasdadasd</a:t>
+            </a:r>
+            <a:endParaRPr lang="zh-CN" altLang="en-US" dirty="0"/>
+          </a:p>
+        </p:txBody>
+      </p:sp>
+    </p:spTree>
+  </p:cSld>
+  <p:clrMapOvr>
+    <a:masterClrMapping/>
+  </p:clrMapOvr>
+</p:sld>
+</file>
+
+<file path=ppt/slides/slide4.xml><?xml version="1.0" encoding="utf-8"?>
+<p:sld xmlns:a="http://schemas.openxmlformats.org/drawingml/2006/main" xmlns:r="http://schemas.openxmlformats.org/officeDocument/2006/relationships" xmlns:p="http://schemas.openxmlformats.org/presentationml/2006/main">
+  <p:cSld>
+    <p:spTree>
+      <p:nvGrpSpPr>
+        <p:cNvPr id="1" name=""/>
+        <p:cNvGrpSpPr/>
+        <p:nvPr/>
+      </p:nvGrpSpPr>
+      <p:grpSpPr>
+        <a:xfrm>
+          <a:off x="0" y="0"/>
+          <a:ext cx="0" cy="0"/>
+          <a:chOff x="0" y="0"/>
+          <a:chExt cx="0" cy="0"/>
+        </a:xfrm>
+      </p:grpSpPr>
+      <p:sp>
+        <p:nvSpPr>
+          <p:cNvPr id="2" name="标题 1"/>
+          <p:cNvSpPr>
+            <a:spLocks noGrp="1"/>
+          </p:cNvSpPr>
+          <p:nvPr>
+            <p:ph type="title"/>
+          </p:nvPr>
+        </p:nvSpPr>
+        <p:spPr/>
+        <p:txBody>
+          <a:bodyPr/>
+          <a:lstStyle/>
+          <a:p>
+            <a:r>
+              <a:rPr lang="en-US" altLang="zh-CN" dirty="0" err="1" smtClean="0"/>
+              <a:t>dasdsad</a:t>
+            </a:r>
+            <a:endParaRPr lang="zh-CN" altLang="en-US" dirty="0"/>
+          </a:p>
+        </p:txBody>
+      </p:sp>
+      <p:sp>
+        <p:nvSpPr>
+          <p:cNvPr id="3" name="内容占位符 2"/>
+          <p:cNvSpPr>
+            <a:spLocks noGrp="1"/>
+          </p:cNvSpPr>
+          <p:nvPr>
+            <p:ph idx="1"/>
+          </p:nvPr>
+        </p:nvSpPr>
+        <p:spPr/>
+        <p:txBody>
+          <a:bodyPr/>
+          <a:lstStyle/>
+          <a:p>
+            <a:r>
+              <a:rPr lang="en-US" altLang="zh-CN" dirty="0" err="1" smtClean="0"/>
+              <a:t>asdsadsadadasdasd</a:t>
             </a:r>
             <a:endParaRPr lang="zh-CN" altLang="en-US" dirty="0"/>
           </a:p>

--- a/Code/ChemistryApp/ChemistryApp/bin/Debug/ResourcesFolder/MyTeaching/asdasdsa.pptx
+++ b/Code/ChemistryApp/ChemistryApp/bin/Debug/ResourcesFolder/MyTeaching/asdasdsa.pptx
@@ -292,7 +292,7 @@
             <a:fld id="{530820CF-B880-4189-942D-D702A7CBA730}" type="datetimeFigureOut">
               <a:rPr lang="zh-CN" altLang="en-US" smtClean="0"/>
               <a:pPr/>
-              <a:t>2016/11/14</a:t>
+              <a:t>2016/11/17</a:t>
             </a:fld>
             <a:endParaRPr lang="zh-CN" altLang="en-US"/>
           </a:p>
@@ -459,7 +459,7 @@
             <a:fld id="{530820CF-B880-4189-942D-D702A7CBA730}" type="datetimeFigureOut">
               <a:rPr lang="zh-CN" altLang="en-US" smtClean="0"/>
               <a:pPr/>
-              <a:t>2016/11/14</a:t>
+              <a:t>2016/11/17</a:t>
             </a:fld>
             <a:endParaRPr lang="zh-CN" altLang="en-US"/>
           </a:p>
@@ -636,7 +636,7 @@
             <a:fld id="{530820CF-B880-4189-942D-D702A7CBA730}" type="datetimeFigureOut">
               <a:rPr lang="zh-CN" altLang="en-US" smtClean="0"/>
               <a:pPr/>
-              <a:t>2016/11/14</a:t>
+              <a:t>2016/11/17</a:t>
             </a:fld>
             <a:endParaRPr lang="zh-CN" altLang="en-US"/>
           </a:p>
@@ -803,7 +803,7 @@
             <a:fld id="{530820CF-B880-4189-942D-D702A7CBA730}" type="datetimeFigureOut">
               <a:rPr lang="zh-CN" altLang="en-US" smtClean="0"/>
               <a:pPr/>
-              <a:t>2016/11/14</a:t>
+              <a:t>2016/11/17</a:t>
             </a:fld>
             <a:endParaRPr lang="zh-CN" altLang="en-US"/>
           </a:p>
@@ -1046,7 +1046,7 @@
             <a:fld id="{530820CF-B880-4189-942D-D702A7CBA730}" type="datetimeFigureOut">
               <a:rPr lang="zh-CN" altLang="en-US" smtClean="0"/>
               <a:pPr/>
-              <a:t>2016/11/14</a:t>
+              <a:t>2016/11/17</a:t>
             </a:fld>
             <a:endParaRPr lang="zh-CN" altLang="en-US"/>
           </a:p>
@@ -1331,7 +1331,7 @@
             <a:fld id="{530820CF-B880-4189-942D-D702A7CBA730}" type="datetimeFigureOut">
               <a:rPr lang="zh-CN" altLang="en-US" smtClean="0"/>
               <a:pPr/>
-              <a:t>2016/11/14</a:t>
+              <a:t>2016/11/17</a:t>
             </a:fld>
             <a:endParaRPr lang="zh-CN" altLang="en-US"/>
           </a:p>
@@ -1750,7 +1750,7 @@
             <a:fld id="{530820CF-B880-4189-942D-D702A7CBA730}" type="datetimeFigureOut">
               <a:rPr lang="zh-CN" altLang="en-US" smtClean="0"/>
               <a:pPr/>
-              <a:t>2016/11/14</a:t>
+              <a:t>2016/11/17</a:t>
             </a:fld>
             <a:endParaRPr lang="zh-CN" altLang="en-US"/>
           </a:p>
@@ -1865,7 +1865,7 @@
             <a:fld id="{530820CF-B880-4189-942D-D702A7CBA730}" type="datetimeFigureOut">
               <a:rPr lang="zh-CN" altLang="en-US" smtClean="0"/>
               <a:pPr/>
-              <a:t>2016/11/14</a:t>
+              <a:t>2016/11/17</a:t>
             </a:fld>
             <a:endParaRPr lang="zh-CN" altLang="en-US"/>
           </a:p>
@@ -1957,7 +1957,7 @@
             <a:fld id="{530820CF-B880-4189-942D-D702A7CBA730}" type="datetimeFigureOut">
               <a:rPr lang="zh-CN" altLang="en-US" smtClean="0"/>
               <a:pPr/>
-              <a:t>2016/11/14</a:t>
+              <a:t>2016/11/17</a:t>
             </a:fld>
             <a:endParaRPr lang="zh-CN" altLang="en-US"/>
           </a:p>
@@ -2231,7 +2231,7 @@
             <a:fld id="{530820CF-B880-4189-942D-D702A7CBA730}" type="datetimeFigureOut">
               <a:rPr lang="zh-CN" altLang="en-US" smtClean="0"/>
               <a:pPr/>
-              <a:t>2016/11/14</a:t>
+              <a:t>2016/11/17</a:t>
             </a:fld>
             <a:endParaRPr lang="zh-CN" altLang="en-US"/>
           </a:p>
@@ -2481,7 +2481,7 @@
             <a:fld id="{530820CF-B880-4189-942D-D702A7CBA730}" type="datetimeFigureOut">
               <a:rPr lang="zh-CN" altLang="en-US" smtClean="0"/>
               <a:pPr/>
-              <a:t>2016/11/14</a:t>
+              <a:t>2016/11/17</a:t>
             </a:fld>
             <a:endParaRPr lang="zh-CN" altLang="en-US"/>
           </a:p>
@@ -2691,7 +2691,7 @@
             <a:fld id="{530820CF-B880-4189-942D-D702A7CBA730}" type="datetimeFigureOut">
               <a:rPr lang="zh-CN" altLang="en-US" smtClean="0"/>
               <a:pPr/>
-              <a:t>2016/11/14</a:t>
+              <a:t>2016/11/17</a:t>
             </a:fld>
             <a:endParaRPr lang="zh-CN" altLang="en-US"/>
           </a:p>
@@ -3314,7 +3314,9 @@
           <a:lstStyle/>
           <a:p>
             <a:r>
-              <a:rPr lang="en-US" altLang="zh-CN" dirty="0" err="1" smtClean="0"/>
+              <a:rPr lang="en-US" altLang="zh-CN" dirty="0" err="1" smtClean="0">
+                <a:hlinkClick r:id="rId2" action="ppaction://hlinkfile"/>
+              </a:rPr>
               <a:t>asdsadsadadasdasd</a:t>
             </a:r>
             <a:endParaRPr lang="zh-CN" altLang="en-US" dirty="0"/>

--- a/Code/ChemistryApp/ChemistryApp/bin/Debug/ResourcesFolder/MyTeaching/asdasdsa.pptx
+++ b/Code/ChemistryApp/ChemistryApp/bin/Debug/ResourcesFolder/MyTeaching/asdasdsa.pptx
@@ -8,7 +8,6 @@
     <p:sldId id="256" r:id="rId2"/>
     <p:sldId id="257" r:id="rId3"/>
     <p:sldId id="258" r:id="rId4"/>
-    <p:sldId id="259" r:id="rId5"/>
   </p:sldIdLst>
   <p:sldSz cx="9144000" cy="6858000" type="screen4x3"/>
   <p:notesSz cx="6858000" cy="9144000"/>
@@ -292,7 +291,7 @@
             <a:fld id="{530820CF-B880-4189-942D-D702A7CBA730}" type="datetimeFigureOut">
               <a:rPr lang="zh-CN" altLang="en-US" smtClean="0"/>
               <a:pPr/>
-              <a:t>2016/11/17</a:t>
+              <a:t>2016/11/14</a:t>
             </a:fld>
             <a:endParaRPr lang="zh-CN" altLang="en-US"/>
           </a:p>
@@ -459,7 +458,7 @@
             <a:fld id="{530820CF-B880-4189-942D-D702A7CBA730}" type="datetimeFigureOut">
               <a:rPr lang="zh-CN" altLang="en-US" smtClean="0"/>
               <a:pPr/>
-              <a:t>2016/11/17</a:t>
+              <a:t>2016/11/14</a:t>
             </a:fld>
             <a:endParaRPr lang="zh-CN" altLang="en-US"/>
           </a:p>
@@ -636,7 +635,7 @@
             <a:fld id="{530820CF-B880-4189-942D-D702A7CBA730}" type="datetimeFigureOut">
               <a:rPr lang="zh-CN" altLang="en-US" smtClean="0"/>
               <a:pPr/>
-              <a:t>2016/11/17</a:t>
+              <a:t>2016/11/14</a:t>
             </a:fld>
             <a:endParaRPr lang="zh-CN" altLang="en-US"/>
           </a:p>
@@ -803,7 +802,7 @@
             <a:fld id="{530820CF-B880-4189-942D-D702A7CBA730}" type="datetimeFigureOut">
               <a:rPr lang="zh-CN" altLang="en-US" smtClean="0"/>
               <a:pPr/>
-              <a:t>2016/11/17</a:t>
+              <a:t>2016/11/14</a:t>
             </a:fld>
             <a:endParaRPr lang="zh-CN" altLang="en-US"/>
           </a:p>
@@ -1046,7 +1045,7 @@
             <a:fld id="{530820CF-B880-4189-942D-D702A7CBA730}" type="datetimeFigureOut">
               <a:rPr lang="zh-CN" altLang="en-US" smtClean="0"/>
               <a:pPr/>
-              <a:t>2016/11/17</a:t>
+              <a:t>2016/11/14</a:t>
             </a:fld>
             <a:endParaRPr lang="zh-CN" altLang="en-US"/>
           </a:p>
@@ -1331,7 +1330,7 @@
             <a:fld id="{530820CF-B880-4189-942D-D702A7CBA730}" type="datetimeFigureOut">
               <a:rPr lang="zh-CN" altLang="en-US" smtClean="0"/>
               <a:pPr/>
-              <a:t>2016/11/17</a:t>
+              <a:t>2016/11/14</a:t>
             </a:fld>
             <a:endParaRPr lang="zh-CN" altLang="en-US"/>
           </a:p>
@@ -1750,7 +1749,7 @@
             <a:fld id="{530820CF-B880-4189-942D-D702A7CBA730}" type="datetimeFigureOut">
               <a:rPr lang="zh-CN" altLang="en-US" smtClean="0"/>
               <a:pPr/>
-              <a:t>2016/11/17</a:t>
+              <a:t>2016/11/14</a:t>
             </a:fld>
             <a:endParaRPr lang="zh-CN" altLang="en-US"/>
           </a:p>
@@ -1865,7 +1864,7 @@
             <a:fld id="{530820CF-B880-4189-942D-D702A7CBA730}" type="datetimeFigureOut">
               <a:rPr lang="zh-CN" altLang="en-US" smtClean="0"/>
               <a:pPr/>
-              <a:t>2016/11/17</a:t>
+              <a:t>2016/11/14</a:t>
             </a:fld>
             <a:endParaRPr lang="zh-CN" altLang="en-US"/>
           </a:p>
@@ -1957,7 +1956,7 @@
             <a:fld id="{530820CF-B880-4189-942D-D702A7CBA730}" type="datetimeFigureOut">
               <a:rPr lang="zh-CN" altLang="en-US" smtClean="0"/>
               <a:pPr/>
-              <a:t>2016/11/17</a:t>
+              <a:t>2016/11/14</a:t>
             </a:fld>
             <a:endParaRPr lang="zh-CN" altLang="en-US"/>
           </a:p>
@@ -2231,7 +2230,7 @@
             <a:fld id="{530820CF-B880-4189-942D-D702A7CBA730}" type="datetimeFigureOut">
               <a:rPr lang="zh-CN" altLang="en-US" smtClean="0"/>
               <a:pPr/>
-              <a:t>2016/11/17</a:t>
+              <a:t>2016/11/14</a:t>
             </a:fld>
             <a:endParaRPr lang="zh-CN" altLang="en-US"/>
           </a:p>
@@ -2481,7 +2480,7 @@
             <a:fld id="{530820CF-B880-4189-942D-D702A7CBA730}" type="datetimeFigureOut">
               <a:rPr lang="zh-CN" altLang="en-US" smtClean="0"/>
               <a:pPr/>
-              <a:t>2016/11/17</a:t>
+              <a:t>2016/11/14</a:t>
             </a:fld>
             <a:endParaRPr lang="zh-CN" altLang="en-US"/>
           </a:p>
@@ -2691,7 +2690,7 @@
             <a:fld id="{530820CF-B880-4189-942D-D702A7CBA730}" type="datetimeFigureOut">
               <a:rPr lang="zh-CN" altLang="en-US" smtClean="0"/>
               <a:pPr/>
-              <a:t>2016/11/17</a:t>
+              <a:t>2016/11/14</a:t>
             </a:fld>
             <a:endParaRPr lang="zh-CN" altLang="en-US"/>
           </a:p>
@@ -3079,7 +3078,7 @@
           <a:p>
             <a:r>
               <a:rPr lang="en-US" altLang="zh-CN" dirty="0" err="1" smtClean="0"/>
-              <a:t>dasdasd</a:t>
+              <a:t>dsadas</a:t>
             </a:r>
             <a:endParaRPr lang="zh-CN" altLang="en-US" dirty="0"/>
           </a:p>
@@ -3102,7 +3101,7 @@
           <a:p>
             <a:r>
               <a:rPr lang="en-US" altLang="zh-CN" dirty="0" err="1" smtClean="0"/>
-              <a:t>dasdasdas</a:t>
+              <a:t>asdasdas</a:t>
             </a:r>
             <a:endParaRPr lang="zh-CN" altLang="en-US" dirty="0"/>
           </a:p>
@@ -3150,7 +3149,7 @@
           <a:p>
             <a:r>
               <a:rPr lang="en-US" altLang="zh-CN" dirty="0" err="1" smtClean="0"/>
-              <a:t>sdasdasdas</a:t>
+              <a:t>dsadas</a:t>
             </a:r>
             <a:endParaRPr lang="zh-CN" altLang="en-US" dirty="0"/>
           </a:p>
@@ -3173,7 +3172,7 @@
           <a:p>
             <a:r>
               <a:rPr lang="en-US" altLang="zh-CN" dirty="0" err="1" smtClean="0"/>
-              <a:t>dasdasd</a:t>
+              <a:t>dasdasdas</a:t>
             </a:r>
             <a:endParaRPr lang="zh-CN" altLang="en-US" dirty="0"/>
           </a:p>
@@ -3221,7 +3220,7 @@
           <a:p>
             <a:r>
               <a:rPr lang="en-US" altLang="zh-CN" dirty="0" err="1" smtClean="0"/>
-              <a:t>dsadsad</a:t>
+              <a:t>dsadas</a:t>
             </a:r>
             <a:endParaRPr lang="zh-CN" altLang="en-US" dirty="0"/>
           </a:p>
@@ -3243,83 +3242,10 @@
           <a:lstStyle/>
           <a:p>
             <a:r>
-              <a:rPr lang="en-US" altLang="zh-CN" dirty="0" err="1" smtClean="0"/>
-              <a:t>dasdadasd</a:t>
-            </a:r>
-            <a:endParaRPr lang="zh-CN" altLang="en-US" dirty="0"/>
-          </a:p>
-        </p:txBody>
-      </p:sp>
-    </p:spTree>
-  </p:cSld>
-  <p:clrMapOvr>
-    <a:masterClrMapping/>
-  </p:clrMapOvr>
-</p:sld>
-</file>
-
-<file path=ppt/slides/slide4.xml><?xml version="1.0" encoding="utf-8"?>
-<p:sld xmlns:a="http://schemas.openxmlformats.org/drawingml/2006/main" xmlns:r="http://schemas.openxmlformats.org/officeDocument/2006/relationships" xmlns:p="http://schemas.openxmlformats.org/presentationml/2006/main">
-  <p:cSld>
-    <p:spTree>
-      <p:nvGrpSpPr>
-        <p:cNvPr id="1" name=""/>
-        <p:cNvGrpSpPr/>
-        <p:nvPr/>
-      </p:nvGrpSpPr>
-      <p:grpSpPr>
-        <a:xfrm>
-          <a:off x="0" y="0"/>
-          <a:ext cx="0" cy="0"/>
-          <a:chOff x="0" y="0"/>
-          <a:chExt cx="0" cy="0"/>
-        </a:xfrm>
-      </p:grpSpPr>
-      <p:sp>
-        <p:nvSpPr>
-          <p:cNvPr id="2" name="标题 1"/>
-          <p:cNvSpPr>
-            <a:spLocks noGrp="1"/>
-          </p:cNvSpPr>
-          <p:nvPr>
-            <p:ph type="title"/>
-          </p:nvPr>
-        </p:nvSpPr>
-        <p:spPr/>
-        <p:txBody>
-          <a:bodyPr/>
-          <a:lstStyle/>
-          <a:p>
-            <a:r>
-              <a:rPr lang="en-US" altLang="zh-CN" dirty="0" err="1" smtClean="0"/>
-              <a:t>dasdsad</a:t>
-            </a:r>
-            <a:endParaRPr lang="zh-CN" altLang="en-US" dirty="0"/>
-          </a:p>
-        </p:txBody>
-      </p:sp>
-      <p:sp>
-        <p:nvSpPr>
-          <p:cNvPr id="3" name="内容占位符 2"/>
-          <p:cNvSpPr>
-            <a:spLocks noGrp="1"/>
-          </p:cNvSpPr>
-          <p:nvPr>
-            <p:ph idx="1"/>
-          </p:nvPr>
-        </p:nvSpPr>
-        <p:spPr/>
-        <p:txBody>
-          <a:bodyPr/>
-          <a:lstStyle/>
-          <a:p>
-            <a:r>
-              <a:rPr lang="en-US" altLang="zh-CN" dirty="0" err="1" smtClean="0">
-                <a:hlinkClick r:id="rId2" action="ppaction://hlinkfile"/>
-              </a:rPr>
-              <a:t>asdsadsadadasdasd</a:t>
-            </a:r>
-            <a:endParaRPr lang="zh-CN" altLang="en-US" dirty="0"/>
+              <a:rPr lang="en-US" altLang="zh-CN" smtClean="0"/>
+              <a:t>dasdasdasd</a:t>
+            </a:r>
+            <a:endParaRPr lang="zh-CN" altLang="en-US"/>
           </a:p>
         </p:txBody>
       </p:sp>
